--- a/spring-framework.pptx
+++ b/spring-framework.pptx
@@ -5,21 +5,22 @@
     <p:sldMasterId id="2147483648" r:id="rId1"/>
   </p:sldMasterIdLst>
   <p:notesMasterIdLst>
-    <p:notesMasterId r:id="rId11"/>
+    <p:notesMasterId r:id="rId12"/>
   </p:notesMasterIdLst>
   <p:handoutMasterIdLst>
-    <p:handoutMasterId r:id="rId12"/>
+    <p:handoutMasterId r:id="rId13"/>
   </p:handoutMasterIdLst>
   <p:sldIdLst>
     <p:sldId id="256" r:id="rId2"/>
-    <p:sldId id="261" r:id="rId3"/>
-    <p:sldId id="262" r:id="rId4"/>
-    <p:sldId id="263" r:id="rId5"/>
-    <p:sldId id="264" r:id="rId6"/>
-    <p:sldId id="265" r:id="rId7"/>
-    <p:sldId id="266" r:id="rId8"/>
-    <p:sldId id="260" r:id="rId9"/>
-    <p:sldId id="257" r:id="rId10"/>
+    <p:sldId id="267" r:id="rId3"/>
+    <p:sldId id="261" r:id="rId4"/>
+    <p:sldId id="262" r:id="rId5"/>
+    <p:sldId id="263" r:id="rId6"/>
+    <p:sldId id="264" r:id="rId7"/>
+    <p:sldId id="265" r:id="rId8"/>
+    <p:sldId id="266" r:id="rId9"/>
+    <p:sldId id="260" r:id="rId10"/>
+    <p:sldId id="257" r:id="rId11"/>
   </p:sldIdLst>
   <p:sldSz cx="12192000" cy="6858000"/>
   <p:notesSz cx="6858000" cy="9144000"/>
@@ -120,10 +121,10 @@
   </p:defaultTextStyle>
   <p:extLst>
     <p:ext uri="{EFAFB233-063F-42B5-8137-9DF3F51BA10A}">
-      <p15:sldGuideLst xmlns:p15="http://schemas.microsoft.com/office/powerpoint/2012/main" xmlns=""/>
+      <p15:sldGuideLst xmlns="" xmlns:p15="http://schemas.microsoft.com/office/powerpoint/2012/main"/>
     </p:ext>
     <p:ext uri="{2D200454-40CA-4A62-9FC3-DE9A4176ACB9}">
-      <p15:notesGuideLst xmlns:p15="http://schemas.microsoft.com/office/powerpoint/2012/main" xmlns=""/>
+      <p15:notesGuideLst xmlns="" xmlns:p15="http://schemas.microsoft.com/office/powerpoint/2012/main"/>
     </p:ext>
   </p:extLst>
 </p:presentation>
@@ -5046,7 +5047,7 @@
   </p:timing>
   <p:extLst mod="1">
     <p:ext uri="{DCECCB84-F9BA-43D5-87BE-67443E8EF086}">
-      <p15:sldGuideLst xmlns:p15="http://schemas.microsoft.com/office/powerpoint/2012/main" xmlns="">
+      <p15:sldGuideLst xmlns="" xmlns:p15="http://schemas.microsoft.com/office/powerpoint/2012/main">
         <p15:guide id="1" orient="horz" pos="2160" userDrawn="1">
           <p15:clr>
             <a:srgbClr val="FBAE40"/>
@@ -9312,7 +9313,6 @@
               <a:rPr lang="pl-PL" dirty="0"/>
               <a:t>https://github.com/pkleczek/spring-politechnika</a:t>
             </a:r>
-            <a:endParaRPr lang="pl-PL" dirty="0"/>
           </a:p>
         </p:txBody>
       </p:sp>
@@ -9343,6 +9343,103 @@
     <p:extLst>
       <p:ext uri="{BB962C8B-B14F-4D97-AF65-F5344CB8AC3E}">
         <p14:creationId xmlns:p14="http://schemas.microsoft.com/office/powerpoint/2010/main" val="259707193"/>
+      </p:ext>
+    </p:extLst>
+  </p:cSld>
+  <p:clrMapOvr>
+    <a:masterClrMapping/>
+  </p:clrMapOvr>
+  <p:timing>
+    <p:tnLst>
+      <p:par>
+        <p:cTn id="1" dur="indefinite" restart="never" nodeType="tmRoot"/>
+      </p:par>
+    </p:tnLst>
+  </p:timing>
+</p:sld>
+</file>
+
+<file path=ppt/slides/slide10.xml><?xml version="1.0" encoding="utf-8"?>
+<p:sld xmlns:a="http://schemas.openxmlformats.org/drawingml/2006/main" xmlns:r="http://schemas.openxmlformats.org/officeDocument/2006/relationships" xmlns:p="http://schemas.openxmlformats.org/presentationml/2006/main">
+  <p:cSld>
+    <p:spTree>
+      <p:nvGrpSpPr>
+        <p:cNvPr id="1" name=""/>
+        <p:cNvGrpSpPr/>
+        <p:nvPr/>
+      </p:nvGrpSpPr>
+      <p:grpSpPr>
+        <a:xfrm>
+          <a:off x="0" y="0"/>
+          <a:ext cx="0" cy="0"/>
+          <a:chOff x="0" y="0"/>
+          <a:chExt cx="0" cy="0"/>
+        </a:xfrm>
+      </p:grpSpPr>
+      <p:sp>
+        <p:nvSpPr>
+          <p:cNvPr id="2" name="Subtitle 1"/>
+          <p:cNvSpPr>
+            <a:spLocks noGrp="1"/>
+          </p:cNvSpPr>
+          <p:nvPr>
+            <p:ph type="subTitle" idx="1"/>
+          </p:nvPr>
+        </p:nvSpPr>
+        <p:spPr/>
+        <p:txBody>
+          <a:bodyPr/>
+          <a:lstStyle/>
+          <a:p>
+            <a:r>
+              <a:rPr lang="en-US" dirty="0"/>
+              <a:t>PGS Software S.A.</a:t>
+            </a:r>
+          </a:p>
+          <a:p>
+            <a:r>
+              <a:rPr lang="en-US" dirty="0"/>
+              <a:t>Tel.: +48 71 79 82 692</a:t>
+            </a:r>
+            <a:r>
+              <a:rPr lang="pl-PL" dirty="0"/>
+              <a:t/>
+            </a:r>
+            <a:br>
+              <a:rPr lang="pl-PL" dirty="0"/>
+            </a:br>
+            <a:r>
+              <a:rPr lang="en-US" dirty="0"/>
+              <a:t>Fax: +48 71 79 82 690</a:t>
+            </a:r>
+            <a:r>
+              <a:rPr lang="pl-PL" dirty="0"/>
+              <a:t/>
+            </a:r>
+            <a:br>
+              <a:rPr lang="pl-PL" dirty="0"/>
+            </a:br>
+            <a:r>
+              <a:rPr lang="en-US" dirty="0"/>
+              <a:t>E-mail: pgs-soft@pgs-soft.com</a:t>
+            </a:r>
+          </a:p>
+          <a:p>
+            <a:endParaRPr lang="pl-PL" dirty="0"/>
+          </a:p>
+          <a:p>
+            <a:r>
+              <a:rPr lang="en-US" dirty="0"/>
+              <a:t>www.pgs-soft.com</a:t>
+            </a:r>
+            <a:endParaRPr lang="pl-PL" dirty="0"/>
+          </a:p>
+        </p:txBody>
+      </p:sp>
+    </p:spTree>
+    <p:extLst>
+      <p:ext uri="{BB962C8B-B14F-4D97-AF65-F5344CB8AC3E}">
+        <p14:creationId xmlns:p14="http://schemas.microsoft.com/office/powerpoint/2010/main" val="2524618966"/>
       </p:ext>
     </p:extLst>
   </p:cSld>
@@ -9376,43 +9473,14 @@
           <a:chExt cx="0" cy="0"/>
         </a:xfrm>
       </p:grpSpPr>
-      <p:pic>
-        <p:nvPicPr>
-          <p:cNvPr id="11" name="Content Placeholder 10"/>
-          <p:cNvPicPr>
-            <a:picLocks noGrp="1" noChangeAspect="1"/>
-          </p:cNvPicPr>
-          <p:nvPr>
-            <p:ph sz="half" idx="1"/>
-          </p:nvPr>
-        </p:nvPicPr>
-        <p:blipFill>
-          <a:blip r:embed="rId2">
-            <a:extLst>
-              <a:ext uri="{28A0092B-C50C-407E-A947-70E740481C1C}">
-                <a14:useLocalDpi xmlns:a14="http://schemas.microsoft.com/office/drawing/2010/main" val="0"/>
-              </a:ext>
-            </a:extLst>
-          </a:blip>
-          <a:stretch>
-            <a:fillRect/>
-          </a:stretch>
-        </p:blipFill>
-        <p:spPr>
-          <a:xfrm>
-            <a:off x="1256506" y="1897063"/>
-            <a:ext cx="4030662" cy="4030662"/>
-          </a:xfrm>
-        </p:spPr>
-      </p:pic>
-      <p:sp>
-        <p:nvSpPr>
-          <p:cNvPr id="10" name="Content Placeholder 9"/>
-          <p:cNvSpPr>
-            <a:spLocks noGrp="1"/>
-          </p:cNvSpPr>
-          <p:nvPr>
-            <p:ph sz="half" idx="2"/>
+      <p:sp>
+        <p:nvSpPr>
+          <p:cNvPr id="9" name="Content Placeholder 8"/>
+          <p:cNvSpPr>
+            <a:spLocks noGrp="1"/>
+          </p:cNvSpPr>
+          <p:nvPr>
+            <p:ph idx="1"/>
           </p:nvPr>
         </p:nvSpPr>
         <p:spPr/>
@@ -9426,7 +9494,7 @@
             </a:pPr>
             <a:r>
               <a:rPr lang="pl-PL" dirty="0" smtClean="0"/>
-              <a:t>Dependency injection – jedna z realizacji</a:t>
+              <a:t>Odrobina teorii</a:t>
             </a:r>
           </a:p>
           <a:p>
@@ -9436,55 +9504,28 @@
             </a:pPr>
             <a:r>
               <a:rPr lang="pl-PL" dirty="0" smtClean="0"/>
-              <a:t>Demo</a:t>
-            </a:r>
-          </a:p>
-          <a:p>
-            <a:pPr marL="914400" lvl="1" indent="-457200">
+              <a:t>Od „złej” aplikacji do Springa</a:t>
+            </a:r>
+          </a:p>
+          <a:p>
+            <a:pPr marL="457200" indent="-457200">
               <a:buFont typeface="Arial" panose="020B0604020202020204" pitchFamily="34" charset="0"/>
               <a:buChar char="•"/>
             </a:pPr>
             <a:r>
               <a:rPr lang="pl-PL" dirty="0" smtClean="0"/>
-              <a:t>no-dependency-injection</a:t>
-            </a:r>
-          </a:p>
-          <a:p>
-            <a:pPr marL="914400" lvl="1" indent="-457200">
+              <a:t>Spring Boot</a:t>
+            </a:r>
+          </a:p>
+          <a:p>
+            <a:pPr marL="457200" indent="-457200">
               <a:buFont typeface="Arial" panose="020B0604020202020204" pitchFamily="34" charset="0"/>
               <a:buChar char="•"/>
             </a:pPr>
             <a:r>
-              <a:rPr lang="de-DE" dirty="0" smtClean="0"/>
-              <a:t>simple-</a:t>
-            </a:r>
-            <a:r>
-              <a:rPr lang="de-DE" dirty="0" err="1" smtClean="0"/>
-              <a:t>dependency</a:t>
-            </a:r>
-            <a:r>
-              <a:rPr lang="de-DE" dirty="0" smtClean="0"/>
-              <a:t>-</a:t>
-            </a:r>
-            <a:r>
-              <a:rPr lang="de-DE" dirty="0" err="1" smtClean="0"/>
-              <a:t>injection</a:t>
-            </a:r>
-            <a:endParaRPr lang="pl-PL" dirty="0" smtClean="0"/>
-          </a:p>
-          <a:p>
-            <a:pPr marL="914400" lvl="1" indent="-457200">
-              <a:buFont typeface="Arial" panose="020B0604020202020204" pitchFamily="34" charset="0"/>
-              <a:buChar char="•"/>
-            </a:pPr>
-            <a:endParaRPr lang="pl-PL" dirty="0"/>
-          </a:p>
-          <a:p>
-            <a:pPr marL="914400" lvl="1" indent="-457200">
-              <a:buFont typeface="Arial" panose="020B0604020202020204" pitchFamily="34" charset="0"/>
-              <a:buChar char="•"/>
-            </a:pPr>
-            <a:endParaRPr lang="de-DE" dirty="0"/>
+              <a:rPr lang="pl-PL" dirty="0" smtClean="0"/>
+              <a:t>Live coding</a:t>
+            </a:r>
           </a:p>
         </p:txBody>
       </p:sp>
@@ -9518,7 +9559,7 @@
             <a:spLocks noGrp="1"/>
           </p:cNvSpPr>
           <p:nvPr>
-            <p:ph type="dt" sz="half" idx="10"/>
+            <p:ph type="dt" sz="half" idx="2"/>
           </p:nvPr>
         </p:nvSpPr>
         <p:spPr/>
@@ -9536,7 +9577,7 @@
       </p:sp>
       <p:sp>
         <p:nvSpPr>
-          <p:cNvPr id="6" name="Title 5"/>
+          <p:cNvPr id="8" name="Title 7"/>
           <p:cNvSpPr>
             <a:spLocks noGrp="1"/>
           </p:cNvSpPr>
@@ -9546,16 +9587,14 @@
         </p:nvSpPr>
         <p:spPr/>
         <p:txBody>
-          <a:bodyPr>
-            <a:normAutofit/>
-          </a:bodyPr>
+          <a:bodyPr/>
           <a:lstStyle/>
           <a:p>
             <a:r>
               <a:rPr lang="pl-PL" dirty="0" smtClean="0"/>
-              <a:t>Inversion of control</a:t>
-            </a:r>
-            <a:endParaRPr lang="pl-PL" dirty="0"/>
+              <a:t>Plan</a:t>
+            </a:r>
+            <a:endParaRPr lang="de-DE" dirty="0"/>
           </a:p>
         </p:txBody>
       </p:sp>
@@ -9586,7 +9625,7 @@
     </p:spTree>
     <p:extLst>
       <p:ext uri="{BB962C8B-B14F-4D97-AF65-F5344CB8AC3E}">
-        <p14:creationId xmlns:p14="http://schemas.microsoft.com/office/powerpoint/2010/main" val="2599743396"/>
+        <p14:creationId xmlns:p14="http://schemas.microsoft.com/office/powerpoint/2010/main" val="2747802255"/>
       </p:ext>
     </p:extLst>
   </p:cSld>
@@ -9620,6 +9659,250 @@
           <a:chExt cx="0" cy="0"/>
         </a:xfrm>
       </p:grpSpPr>
+      <p:pic>
+        <p:nvPicPr>
+          <p:cNvPr id="11" name="Content Placeholder 10"/>
+          <p:cNvPicPr>
+            <a:picLocks noGrp="1" noChangeAspect="1"/>
+          </p:cNvPicPr>
+          <p:nvPr>
+            <p:ph sz="half" idx="1"/>
+          </p:nvPr>
+        </p:nvPicPr>
+        <p:blipFill>
+          <a:blip r:embed="rId2">
+            <a:extLst>
+              <a:ext uri="{28A0092B-C50C-407E-A947-70E740481C1C}">
+                <a14:useLocalDpi xmlns:a14="http://schemas.microsoft.com/office/drawing/2010/main" val="0"/>
+              </a:ext>
+            </a:extLst>
+          </a:blip>
+          <a:stretch>
+            <a:fillRect/>
+          </a:stretch>
+        </p:blipFill>
+        <p:spPr>
+          <a:xfrm>
+            <a:off x="1256506" y="1897063"/>
+            <a:ext cx="4030662" cy="4030662"/>
+          </a:xfrm>
+        </p:spPr>
+      </p:pic>
+      <p:sp>
+        <p:nvSpPr>
+          <p:cNvPr id="10" name="Content Placeholder 9"/>
+          <p:cNvSpPr>
+            <a:spLocks noGrp="1"/>
+          </p:cNvSpPr>
+          <p:nvPr>
+            <p:ph sz="half" idx="2"/>
+          </p:nvPr>
+        </p:nvSpPr>
+        <p:spPr/>
+        <p:txBody>
+          <a:bodyPr/>
+          <a:lstStyle/>
+          <a:p>
+            <a:pPr marL="457200" indent="-457200">
+              <a:buFont typeface="Arial" panose="020B0604020202020204" pitchFamily="34" charset="0"/>
+              <a:buChar char="•"/>
+            </a:pPr>
+            <a:r>
+              <a:rPr lang="pl-PL" dirty="0" smtClean="0"/>
+              <a:t>Dependency injection – jedna z realizacji</a:t>
+            </a:r>
+          </a:p>
+          <a:p>
+            <a:pPr marL="457200" indent="-457200">
+              <a:buFont typeface="Arial" panose="020B0604020202020204" pitchFamily="34" charset="0"/>
+              <a:buChar char="•"/>
+            </a:pPr>
+            <a:r>
+              <a:rPr lang="pl-PL" dirty="0" smtClean="0"/>
+              <a:t>Demo</a:t>
+            </a:r>
+          </a:p>
+          <a:p>
+            <a:pPr marL="914400" lvl="1" indent="-457200">
+              <a:buFont typeface="Arial" panose="020B0604020202020204" pitchFamily="34" charset="0"/>
+              <a:buChar char="•"/>
+            </a:pPr>
+            <a:r>
+              <a:rPr lang="pl-PL" dirty="0" smtClean="0"/>
+              <a:t>no-dependency-injection</a:t>
+            </a:r>
+          </a:p>
+          <a:p>
+            <a:pPr marL="914400" lvl="1" indent="-457200">
+              <a:buFont typeface="Arial" panose="020B0604020202020204" pitchFamily="34" charset="0"/>
+              <a:buChar char="•"/>
+            </a:pPr>
+            <a:r>
+              <a:rPr lang="de-DE" dirty="0" smtClean="0"/>
+              <a:t>simple-</a:t>
+            </a:r>
+            <a:r>
+              <a:rPr lang="de-DE" dirty="0" err="1" smtClean="0"/>
+              <a:t>dependency</a:t>
+            </a:r>
+            <a:r>
+              <a:rPr lang="de-DE" dirty="0" smtClean="0"/>
+              <a:t>-</a:t>
+            </a:r>
+            <a:r>
+              <a:rPr lang="de-DE" dirty="0" err="1" smtClean="0"/>
+              <a:t>injection</a:t>
+            </a:r>
+            <a:endParaRPr lang="pl-PL" dirty="0" smtClean="0"/>
+          </a:p>
+          <a:p>
+            <a:pPr marL="914400" lvl="1" indent="-457200">
+              <a:buFont typeface="Arial" panose="020B0604020202020204" pitchFamily="34" charset="0"/>
+              <a:buChar char="•"/>
+            </a:pPr>
+            <a:endParaRPr lang="pl-PL" dirty="0"/>
+          </a:p>
+          <a:p>
+            <a:pPr marL="914400" lvl="1" indent="-457200">
+              <a:buFont typeface="Arial" panose="020B0604020202020204" pitchFamily="34" charset="0"/>
+              <a:buChar char="•"/>
+            </a:pPr>
+            <a:endParaRPr lang="de-DE" dirty="0"/>
+          </a:p>
+        </p:txBody>
+      </p:sp>
+      <p:sp>
+        <p:nvSpPr>
+          <p:cNvPr id="4" name="Footer Placeholder 3"/>
+          <p:cNvSpPr>
+            <a:spLocks noGrp="1"/>
+          </p:cNvSpPr>
+          <p:nvPr>
+            <p:ph type="ftr" sz="quarter" idx="3"/>
+          </p:nvPr>
+        </p:nvSpPr>
+        <p:spPr/>
+        <p:txBody>
+          <a:bodyPr/>
+          <a:lstStyle/>
+          <a:p>
+            <a:r>
+              <a:rPr lang="pl-PL" smtClean="0"/>
+              <a:t>Wprowadzenie do Spring Framework</a:t>
+            </a:r>
+            <a:endParaRPr lang="pl-PL" dirty="0"/>
+          </a:p>
+        </p:txBody>
+      </p:sp>
+      <p:sp>
+        <p:nvSpPr>
+          <p:cNvPr id="5" name="Date Placeholder 4"/>
+          <p:cNvSpPr>
+            <a:spLocks noGrp="1"/>
+          </p:cNvSpPr>
+          <p:nvPr>
+            <p:ph type="dt" sz="half" idx="10"/>
+          </p:nvPr>
+        </p:nvSpPr>
+        <p:spPr/>
+        <p:txBody>
+          <a:bodyPr/>
+          <a:lstStyle/>
+          <a:p>
+            <a:r>
+              <a:rPr lang="pl-PL" smtClean="0"/>
+              <a:t>2015-02-23</a:t>
+            </a:r>
+            <a:endParaRPr lang="pl-PL" dirty="0"/>
+          </a:p>
+        </p:txBody>
+      </p:sp>
+      <p:sp>
+        <p:nvSpPr>
+          <p:cNvPr id="6" name="Title 5"/>
+          <p:cNvSpPr>
+            <a:spLocks noGrp="1"/>
+          </p:cNvSpPr>
+          <p:nvPr>
+            <p:ph type="title"/>
+          </p:nvPr>
+        </p:nvSpPr>
+        <p:spPr/>
+        <p:txBody>
+          <a:bodyPr>
+            <a:normAutofit/>
+          </a:bodyPr>
+          <a:lstStyle/>
+          <a:p>
+            <a:r>
+              <a:rPr lang="pl-PL" dirty="0" smtClean="0"/>
+              <a:t>Inversion of control</a:t>
+            </a:r>
+            <a:endParaRPr lang="pl-PL" dirty="0"/>
+          </a:p>
+        </p:txBody>
+      </p:sp>
+      <p:sp>
+        <p:nvSpPr>
+          <p:cNvPr id="7" name="Slide Number Placeholder 6"/>
+          <p:cNvSpPr>
+            <a:spLocks noGrp="1"/>
+          </p:cNvSpPr>
+          <p:nvPr>
+            <p:ph type="sldNum" sz="quarter" idx="4"/>
+          </p:nvPr>
+        </p:nvSpPr>
+        <p:spPr/>
+        <p:txBody>
+          <a:bodyPr/>
+          <a:lstStyle/>
+          <a:p>
+            <a:fld id="{DD16D8C6-D3EF-484E-B1EF-645CD91101A6}" type="slidenum">
+              <a:rPr lang="pl-PL" smtClean="0"/>
+              <a:pPr/>
+              <a:t>3</a:t>
+            </a:fld>
+            <a:endParaRPr lang="pl-PL" dirty="0"/>
+          </a:p>
+        </p:txBody>
+      </p:sp>
+    </p:spTree>
+    <p:extLst>
+      <p:ext uri="{BB962C8B-B14F-4D97-AF65-F5344CB8AC3E}">
+        <p14:creationId xmlns:p14="http://schemas.microsoft.com/office/powerpoint/2010/main" val="2599743396"/>
+      </p:ext>
+    </p:extLst>
+  </p:cSld>
+  <p:clrMapOvr>
+    <a:masterClrMapping/>
+  </p:clrMapOvr>
+  <p:timing>
+    <p:tnLst>
+      <p:par>
+        <p:cTn id="1" dur="indefinite" restart="never" nodeType="tmRoot"/>
+      </p:par>
+    </p:tnLst>
+  </p:timing>
+</p:sld>
+</file>
+
+<file path=ppt/slides/slide4.xml><?xml version="1.0" encoding="utf-8"?>
+<p:sld xmlns:a="http://schemas.openxmlformats.org/drawingml/2006/main" xmlns:r="http://schemas.openxmlformats.org/officeDocument/2006/relationships" xmlns:p="http://schemas.openxmlformats.org/presentationml/2006/main">
+  <p:cSld>
+    <p:spTree>
+      <p:nvGrpSpPr>
+        <p:cNvPr id="1" name=""/>
+        <p:cNvGrpSpPr/>
+        <p:nvPr/>
+      </p:nvGrpSpPr>
+      <p:grpSpPr>
+        <a:xfrm>
+          <a:off x="0" y="0"/>
+          <a:ext cx="0" cy="0"/>
+          <a:chOff x="0" y="0"/>
+          <a:chExt cx="0" cy="0"/>
+        </a:xfrm>
+      </p:grpSpPr>
       <p:sp>
         <p:nvSpPr>
           <p:cNvPr id="2" name="Content Placeholder 1"/>
@@ -9845,7 +10128,7 @@
             <a:fld id="{DD16D8C6-D3EF-484E-B1EF-645CD91101A6}" type="slidenum">
               <a:rPr lang="pl-PL" smtClean="0"/>
               <a:pPr/>
-              <a:t>3</a:t>
+              <a:t>4</a:t>
             </a:fld>
             <a:endParaRPr lang="pl-PL" dirty="0"/>
           </a:p>
@@ -9912,7 +10195,7 @@
 </p:sld>
 </file>
 
-<file path=ppt/slides/slide4.xml><?xml version="1.0" encoding="utf-8"?>
+<file path=ppt/slides/slide5.xml><?xml version="1.0" encoding="utf-8"?>
 <p:sld xmlns:a="http://schemas.openxmlformats.org/drawingml/2006/main" xmlns:r="http://schemas.openxmlformats.org/officeDocument/2006/relationships" xmlns:p="http://schemas.openxmlformats.org/presentationml/2006/main">
   <p:cSld>
     <p:spTree>
@@ -10103,7 +10386,7 @@
             <a:fld id="{DD16D8C6-D3EF-484E-B1EF-645CD91101A6}" type="slidenum">
               <a:rPr lang="pl-PL" smtClean="0"/>
               <a:pPr/>
-              <a:t>4</a:t>
+              <a:t>5</a:t>
             </a:fld>
             <a:endParaRPr lang="pl-PL" dirty="0"/>
           </a:p>
@@ -10113,283 +10396,6 @@
     <p:extLst>
       <p:ext uri="{BB962C8B-B14F-4D97-AF65-F5344CB8AC3E}">
         <p14:creationId xmlns:p14="http://schemas.microsoft.com/office/powerpoint/2010/main" val="2714360354"/>
-      </p:ext>
-    </p:extLst>
-  </p:cSld>
-  <p:clrMapOvr>
-    <a:masterClrMapping/>
-  </p:clrMapOvr>
-  <p:timing>
-    <p:tnLst>
-      <p:par>
-        <p:cTn id="1" dur="indefinite" restart="never" nodeType="tmRoot"/>
-      </p:par>
-    </p:tnLst>
-  </p:timing>
-</p:sld>
-</file>
-
-<file path=ppt/slides/slide5.xml><?xml version="1.0" encoding="utf-8"?>
-<p:sld xmlns:a="http://schemas.openxmlformats.org/drawingml/2006/main" xmlns:r="http://schemas.openxmlformats.org/officeDocument/2006/relationships" xmlns:p="http://schemas.openxmlformats.org/presentationml/2006/main">
-  <p:cSld>
-    <p:spTree>
-      <p:nvGrpSpPr>
-        <p:cNvPr id="1" name=""/>
-        <p:cNvGrpSpPr/>
-        <p:nvPr/>
-      </p:nvGrpSpPr>
-      <p:grpSpPr>
-        <a:xfrm>
-          <a:off x="0" y="0"/>
-          <a:ext cx="0" cy="0"/>
-          <a:chOff x="0" y="0"/>
-          <a:chExt cx="0" cy="0"/>
-        </a:xfrm>
-      </p:grpSpPr>
-      <p:sp>
-        <p:nvSpPr>
-          <p:cNvPr id="2" name="Text Placeholder 1"/>
-          <p:cNvSpPr>
-            <a:spLocks noGrp="1"/>
-          </p:cNvSpPr>
-          <p:nvPr>
-            <p:ph idx="1"/>
-          </p:nvPr>
-        </p:nvSpPr>
-        <p:spPr/>
-        <p:txBody>
-          <a:bodyPr/>
-          <a:lstStyle/>
-          <a:p>
-            <a:pPr marL="457200" indent="-457200">
-              <a:buFont typeface="Arial" panose="020B0604020202020204" pitchFamily="34" charset="0"/>
-              <a:buChar char="•"/>
-            </a:pPr>
-            <a:r>
-              <a:rPr lang="pl-PL" dirty="0"/>
-              <a:t>Zależności Maven/Gradle</a:t>
-            </a:r>
-          </a:p>
-          <a:p>
-            <a:pPr marL="457200" indent="-457200">
-              <a:buFont typeface="Arial" panose="020B0604020202020204" pitchFamily="34" charset="0"/>
-              <a:buChar char="•"/>
-            </a:pPr>
-            <a:r>
-              <a:rPr lang="pl-PL" dirty="0"/>
-              <a:t>Konfiguracja serwera w projekcie</a:t>
-            </a:r>
-          </a:p>
-          <a:p>
-            <a:pPr marL="457200" indent="-457200">
-              <a:buFont typeface="Arial" panose="020B0604020202020204" pitchFamily="34" charset="0"/>
-              <a:buChar char="•"/>
-            </a:pPr>
-            <a:r>
-              <a:rPr lang="pl-PL" dirty="0"/>
-              <a:t>Konfiguracja </a:t>
-            </a:r>
-            <a:r>
-              <a:rPr lang="pl-PL" dirty="0" smtClean="0"/>
-              <a:t>frameworka</a:t>
-            </a:r>
-          </a:p>
-          <a:p>
-            <a:pPr marL="457200" indent="-457200">
-              <a:buFont typeface="Arial" panose="020B0604020202020204" pitchFamily="34" charset="0"/>
-              <a:buChar char="•"/>
-            </a:pPr>
-            <a:r>
-              <a:rPr lang="pl-PL" dirty="0" smtClean="0"/>
-              <a:t>Integracja z JPA, bazą danych</a:t>
-            </a:r>
-          </a:p>
-          <a:p>
-            <a:pPr marL="457200" indent="-457200">
-              <a:buFont typeface="Arial" panose="020B0604020202020204" pitchFamily="34" charset="0"/>
-              <a:buChar char="•"/>
-            </a:pPr>
-            <a:r>
-              <a:rPr lang="pl-PL" dirty="0" smtClean="0"/>
-              <a:t>„Jak nazywała się ta klasa?”</a:t>
-            </a:r>
-            <a:endParaRPr lang="pl-PL" dirty="0"/>
-          </a:p>
-          <a:p>
-            <a:pPr marL="457200" indent="-457200">
-              <a:buFont typeface="Arial" panose="020B0604020202020204" pitchFamily="34" charset="0"/>
-              <a:buChar char="•"/>
-            </a:pPr>
-            <a:endParaRPr lang="pl-PL" dirty="0" smtClean="0"/>
-          </a:p>
-          <a:p>
-            <a:pPr marL="457200" indent="-457200">
-              <a:buFont typeface="Arial" panose="020B0604020202020204" pitchFamily="34" charset="0"/>
-              <a:buChar char="•"/>
-            </a:pPr>
-            <a:endParaRPr lang="pl-PL" dirty="0"/>
-          </a:p>
-          <a:p>
-            <a:pPr marL="457200" indent="-457200">
-              <a:buFont typeface="Arial" panose="020B0604020202020204" pitchFamily="34" charset="0"/>
-              <a:buChar char="•"/>
-            </a:pPr>
-            <a:endParaRPr lang="pl-PL" dirty="0" smtClean="0"/>
-          </a:p>
-          <a:p>
-            <a:pPr marL="457200" indent="-457200">
-              <a:buFont typeface="Arial" panose="020B0604020202020204" pitchFamily="34" charset="0"/>
-              <a:buChar char="•"/>
-            </a:pPr>
-            <a:endParaRPr lang="pl-PL" dirty="0" smtClean="0"/>
-          </a:p>
-          <a:p>
-            <a:pPr marL="457200" indent="-457200">
-              <a:buFont typeface="Arial" panose="020B0604020202020204" pitchFamily="34" charset="0"/>
-              <a:buChar char="•"/>
-            </a:pPr>
-            <a:endParaRPr lang="de-DE" dirty="0"/>
-          </a:p>
-        </p:txBody>
-      </p:sp>
-      <p:sp>
-        <p:nvSpPr>
-          <p:cNvPr id="6" name="Footer Placeholder 5"/>
-          <p:cNvSpPr>
-            <a:spLocks noGrp="1"/>
-          </p:cNvSpPr>
-          <p:nvPr>
-            <p:ph type="ftr" sz="quarter" idx="3"/>
-          </p:nvPr>
-        </p:nvSpPr>
-        <p:spPr/>
-        <p:txBody>
-          <a:bodyPr/>
-          <a:lstStyle/>
-          <a:p>
-            <a:r>
-              <a:rPr lang="pl-PL" smtClean="0"/>
-              <a:t>Wprowadzenie do Spring Framework</a:t>
-            </a:r>
-            <a:endParaRPr lang="pl-PL" dirty="0"/>
-          </a:p>
-        </p:txBody>
-      </p:sp>
-      <p:sp>
-        <p:nvSpPr>
-          <p:cNvPr id="7" name="Date Placeholder 6"/>
-          <p:cNvSpPr>
-            <a:spLocks noGrp="1"/>
-          </p:cNvSpPr>
-          <p:nvPr>
-            <p:ph type="dt" sz="half" idx="2"/>
-          </p:nvPr>
-        </p:nvSpPr>
-        <p:spPr/>
-        <p:txBody>
-          <a:bodyPr/>
-          <a:lstStyle/>
-          <a:p>
-            <a:r>
-              <a:rPr lang="pl-PL" smtClean="0"/>
-              <a:t>2015-02-23</a:t>
-            </a:r>
-            <a:endParaRPr lang="pl-PL" dirty="0"/>
-          </a:p>
-        </p:txBody>
-      </p:sp>
-      <p:sp>
-        <p:nvSpPr>
-          <p:cNvPr id="8" name="Title 7"/>
-          <p:cNvSpPr>
-            <a:spLocks noGrp="1"/>
-          </p:cNvSpPr>
-          <p:nvPr>
-            <p:ph type="title"/>
-          </p:nvPr>
-        </p:nvSpPr>
-        <p:spPr/>
-        <p:txBody>
-          <a:bodyPr/>
-          <a:lstStyle/>
-          <a:p>
-            <a:r>
-              <a:rPr lang="pl-PL" dirty="0" smtClean="0"/>
-              <a:t>Trudne na początku</a:t>
-            </a:r>
-            <a:endParaRPr lang="de-DE" dirty="0"/>
-          </a:p>
-        </p:txBody>
-      </p:sp>
-      <p:sp>
-        <p:nvSpPr>
-          <p:cNvPr id="9" name="Slide Number Placeholder 8"/>
-          <p:cNvSpPr>
-            <a:spLocks noGrp="1"/>
-          </p:cNvSpPr>
-          <p:nvPr>
-            <p:ph type="sldNum" sz="quarter" idx="4"/>
-          </p:nvPr>
-        </p:nvSpPr>
-        <p:spPr/>
-        <p:txBody>
-          <a:bodyPr/>
-          <a:lstStyle/>
-          <a:p>
-            <a:fld id="{DD16D8C6-D3EF-484E-B1EF-645CD91101A6}" type="slidenum">
-              <a:rPr lang="pl-PL" smtClean="0"/>
-              <a:pPr/>
-              <a:t>5</a:t>
-            </a:fld>
-            <a:endParaRPr lang="pl-PL" dirty="0"/>
-          </a:p>
-        </p:txBody>
-      </p:sp>
-      <p:pic>
-        <p:nvPicPr>
-          <p:cNvPr id="10" name="Picture 4" descr="https://lh3.googleusercontent.com/8sGOhSkq4BSjj3rSlBsSGEPNTCTf90x7ws7X2GS5ma8vI2jZ29axEsbvo4WBiLwESzpPGwE5fawvVBDYnWJ5Q-XaMTOGC2sUN7BxZ7BkbpZyIdlFUothUL1Ki5lgZ8UKMXQQ"/>
-          <p:cNvPicPr>
-            <a:picLocks noChangeAspect="1" noChangeArrowheads="1"/>
-          </p:cNvPicPr>
-          <p:nvPr/>
-        </p:nvPicPr>
-        <p:blipFill>
-          <a:blip r:embed="rId2">
-            <a:extLst>
-              <a:ext uri="{28A0092B-C50C-407E-A947-70E740481C1C}">
-                <a14:useLocalDpi xmlns:a14="http://schemas.microsoft.com/office/drawing/2010/main" val="0"/>
-              </a:ext>
-            </a:extLst>
-          </a:blip>
-          <a:srcRect/>
-          <a:stretch>
-            <a:fillRect/>
-          </a:stretch>
-        </p:blipFill>
-        <p:spPr bwMode="auto">
-          <a:xfrm rot="18892202">
-            <a:off x="5190727" y="1843444"/>
-            <a:ext cx="6734175" cy="3467100"/>
-          </a:xfrm>
-          <a:prstGeom prst="rect">
-            <a:avLst/>
-          </a:prstGeom>
-          <a:noFill/>
-          <a:extLst>
-            <a:ext uri="{909E8E84-426E-40DD-AFC4-6F175D3DCCD1}">
-              <a14:hiddenFill xmlns:a14="http://schemas.microsoft.com/office/drawing/2010/main">
-                <a:solidFill>
-                  <a:srgbClr val="FFFFFF"/>
-                </a:solidFill>
-              </a14:hiddenFill>
-            </a:ext>
-          </a:extLst>
-        </p:spPr>
-      </p:pic>
-    </p:spTree>
-    <p:extLst>
-      <p:ext uri="{BB962C8B-B14F-4D97-AF65-F5344CB8AC3E}">
-        <p14:creationId xmlns:p14="http://schemas.microsoft.com/office/powerpoint/2010/main" val="2032759196"/>
       </p:ext>
     </p:extLst>
   </p:cSld>
@@ -10425,7 +10431,7 @@
       </p:grpSpPr>
       <p:sp>
         <p:nvSpPr>
-          <p:cNvPr id="2" name="Content Placeholder 1"/>
+          <p:cNvPr id="2" name="Text Placeholder 1"/>
           <p:cNvSpPr>
             <a:spLocks noGrp="1"/>
           </p:cNvSpPr>
@@ -10443,8 +10449,8 @@
               <a:buChar char="•"/>
             </a:pPr>
             <a:r>
-              <a:rPr lang="pl-PL" dirty="0" smtClean="0"/>
-              <a:t>Prekonfigurowane pakiety</a:t>
+              <a:rPr lang="pl-PL" dirty="0"/>
+              <a:t>Zależności Maven/Gradle</a:t>
             </a:r>
           </a:p>
           <a:p>
@@ -10453,8 +10459,8 @@
               <a:buChar char="•"/>
             </a:pPr>
             <a:r>
-              <a:rPr lang="pl-PL" dirty="0" smtClean="0"/>
-              <a:t>Samorozszerzająca się konfiguracja</a:t>
+              <a:rPr lang="pl-PL" dirty="0"/>
+              <a:t>Konfiguracja serwera w projekcie</a:t>
             </a:r>
           </a:p>
           <a:p>
@@ -10463,8 +10469,12 @@
               <a:buChar char="•"/>
             </a:pPr>
             <a:r>
+              <a:rPr lang="pl-PL" dirty="0"/>
+              <a:t>Konfiguracja </a:t>
+            </a:r>
+            <a:r>
               <a:rPr lang="pl-PL" dirty="0" smtClean="0"/>
-              <a:t>JavaConfig</a:t>
+              <a:t>frameworka</a:t>
             </a:r>
           </a:p>
           <a:p>
@@ -10474,7 +10484,7 @@
             </a:pPr>
             <a:r>
               <a:rPr lang="pl-PL" dirty="0" smtClean="0"/>
-              <a:t>Przejrzysty pom.xml, predefiniowane wersje wielu zależności</a:t>
+              <a:t>Integracja z JPA, bazą danych</a:t>
             </a:r>
           </a:p>
           <a:p>
@@ -10483,22 +10493,13 @@
               <a:buChar char="•"/>
             </a:pPr>
             <a:r>
-              <a:rPr lang="pl-PL" dirty="0">
-                <a:hlinkClick r:id="rId2"/>
-              </a:rPr>
-              <a:t>http://</a:t>
-            </a:r>
-            <a:r>
-              <a:rPr lang="pl-PL" dirty="0" smtClean="0">
-                <a:hlinkClick r:id="rId2"/>
-              </a:rPr>
-              <a:t>start.spring.io</a:t>
-            </a:r>
-            <a:r>
               <a:rPr lang="pl-PL" dirty="0" smtClean="0"/>
-              <a:t> – generator zalążka aplikacji</a:t>
-            </a:r>
-            <a:endParaRPr lang="pl-PL" dirty="0"/>
+              <a:t>„Jak nazywała się ta klasa</a:t>
+            </a:r>
+            <a:r>
+              <a:rPr lang="pl-PL" dirty="0" smtClean="0"/>
+              <a:t>?”</a:t>
+            </a:r>
           </a:p>
           <a:p>
             <a:pPr marL="457200" indent="-457200">
@@ -10506,18 +10507,51 @@
               <a:buChar char="•"/>
             </a:pPr>
             <a:r>
-              <a:rPr lang="pl-PL" dirty="0" smtClean="0">
-                <a:hlinkClick r:id="rId3"/>
-              </a:rPr>
-              <a:t>Startery dla wielu technologii</a:t>
-            </a:r>
+              <a:rPr lang="pl-PL" dirty="0" smtClean="0"/>
+              <a:t>Demo</a:t>
+            </a:r>
+            <a:endParaRPr lang="pl-PL" dirty="0"/>
+          </a:p>
+          <a:p>
+            <a:pPr marL="457200" indent="-457200">
+              <a:buFont typeface="Arial" panose="020B0604020202020204" pitchFamily="34" charset="0"/>
+              <a:buChar char="•"/>
+            </a:pPr>
             <a:endParaRPr lang="pl-PL" dirty="0" smtClean="0"/>
           </a:p>
-        </p:txBody>
-      </p:sp>
-      <p:sp>
-        <p:nvSpPr>
-          <p:cNvPr id="3" name="Footer Placeholder 2"/>
+          <a:p>
+            <a:pPr marL="457200" indent="-457200">
+              <a:buFont typeface="Arial" panose="020B0604020202020204" pitchFamily="34" charset="0"/>
+              <a:buChar char="•"/>
+            </a:pPr>
+            <a:endParaRPr lang="pl-PL" dirty="0"/>
+          </a:p>
+          <a:p>
+            <a:pPr marL="457200" indent="-457200">
+              <a:buFont typeface="Arial" panose="020B0604020202020204" pitchFamily="34" charset="0"/>
+              <a:buChar char="•"/>
+            </a:pPr>
+            <a:endParaRPr lang="pl-PL" dirty="0" smtClean="0"/>
+          </a:p>
+          <a:p>
+            <a:pPr marL="457200" indent="-457200">
+              <a:buFont typeface="Arial" panose="020B0604020202020204" pitchFamily="34" charset="0"/>
+              <a:buChar char="•"/>
+            </a:pPr>
+            <a:endParaRPr lang="pl-PL" dirty="0" smtClean="0"/>
+          </a:p>
+          <a:p>
+            <a:pPr marL="457200" indent="-457200">
+              <a:buFont typeface="Arial" panose="020B0604020202020204" pitchFamily="34" charset="0"/>
+              <a:buChar char="•"/>
+            </a:pPr>
+            <a:endParaRPr lang="de-DE" dirty="0"/>
+          </a:p>
+        </p:txBody>
+      </p:sp>
+      <p:sp>
+        <p:nvSpPr>
+          <p:cNvPr id="6" name="Footer Placeholder 5"/>
           <p:cNvSpPr>
             <a:spLocks noGrp="1"/>
           </p:cNvSpPr>
@@ -10540,7 +10574,7 @@
       </p:sp>
       <p:sp>
         <p:nvSpPr>
-          <p:cNvPr id="4" name="Date Placeholder 3"/>
+          <p:cNvPr id="7" name="Date Placeholder 6"/>
           <p:cNvSpPr>
             <a:spLocks noGrp="1"/>
           </p:cNvSpPr>
@@ -10563,7 +10597,7 @@
       </p:sp>
       <p:sp>
         <p:nvSpPr>
-          <p:cNvPr id="5" name="Title 4"/>
+          <p:cNvPr id="8" name="Title 7"/>
           <p:cNvSpPr>
             <a:spLocks noGrp="1"/>
           </p:cNvSpPr>
@@ -10578,7 +10612,7 @@
           <a:p>
             <a:r>
               <a:rPr lang="pl-PL" dirty="0" smtClean="0"/>
-              <a:t>Spring Boot</a:t>
+              <a:t>Trudne na początku</a:t>
             </a:r>
             <a:endParaRPr lang="de-DE" dirty="0"/>
           </a:p>
@@ -10586,7 +10620,7 @@
       </p:sp>
       <p:sp>
         <p:nvSpPr>
-          <p:cNvPr id="6" name="Slide Number Placeholder 5"/>
+          <p:cNvPr id="9" name="Slide Number Placeholder 8"/>
           <p:cNvSpPr>
             <a:spLocks noGrp="1"/>
           </p:cNvSpPr>
@@ -10608,10 +10642,51 @@
           </a:p>
         </p:txBody>
       </p:sp>
+      <p:pic>
+        <p:nvPicPr>
+          <p:cNvPr id="10" name="Picture 4" descr="https://lh3.googleusercontent.com/8sGOhSkq4BSjj3rSlBsSGEPNTCTf90x7ws7X2GS5ma8vI2jZ29axEsbvo4WBiLwESzpPGwE5fawvVBDYnWJ5Q-XaMTOGC2sUN7BxZ7BkbpZyIdlFUothUL1Ki5lgZ8UKMXQQ"/>
+          <p:cNvPicPr>
+            <a:picLocks noChangeAspect="1" noChangeArrowheads="1"/>
+          </p:cNvPicPr>
+          <p:nvPr/>
+        </p:nvPicPr>
+        <p:blipFill>
+          <a:blip r:embed="rId2">
+            <a:extLst>
+              <a:ext uri="{28A0092B-C50C-407E-A947-70E740481C1C}">
+                <a14:useLocalDpi xmlns:a14="http://schemas.microsoft.com/office/drawing/2010/main" val="0"/>
+              </a:ext>
+            </a:extLst>
+          </a:blip>
+          <a:srcRect/>
+          <a:stretch>
+            <a:fillRect/>
+          </a:stretch>
+        </p:blipFill>
+        <p:spPr bwMode="auto">
+          <a:xfrm rot="18892202">
+            <a:off x="5190727" y="1843444"/>
+            <a:ext cx="6734175" cy="3467100"/>
+          </a:xfrm>
+          <a:prstGeom prst="rect">
+            <a:avLst/>
+          </a:prstGeom>
+          <a:noFill/>
+          <a:extLst>
+            <a:ext uri="{909E8E84-426E-40DD-AFC4-6F175D3DCCD1}">
+              <a14:hiddenFill xmlns:a14="http://schemas.microsoft.com/office/drawing/2010/main">
+                <a:solidFill>
+                  <a:srgbClr val="FFFFFF"/>
+                </a:solidFill>
+              </a14:hiddenFill>
+            </a:ext>
+          </a:extLst>
+        </p:spPr>
+      </p:pic>
     </p:spTree>
     <p:extLst>
       <p:ext uri="{BB962C8B-B14F-4D97-AF65-F5344CB8AC3E}">
-        <p14:creationId xmlns:p14="http://schemas.microsoft.com/office/powerpoint/2010/main" val="3810329629"/>
+        <p14:creationId xmlns:p14="http://schemas.microsoft.com/office/powerpoint/2010/main" val="2032759196"/>
       </p:ext>
     </p:extLst>
   </p:cSld>
@@ -10666,7 +10741,7 @@
             </a:pPr>
             <a:r>
               <a:rPr lang="pl-PL" dirty="0" smtClean="0"/>
-              <a:t>@Autowiring i @ComponentScan</a:t>
+              <a:t>Prekonfigurowane pakiety</a:t>
             </a:r>
           </a:p>
           <a:p>
@@ -10676,7 +10751,7 @@
             </a:pPr>
             <a:r>
               <a:rPr lang="pl-PL" dirty="0" smtClean="0"/>
-              <a:t>Bean scopes (singleton, request, session)</a:t>
+              <a:t>Samorozszerzająca się konfiguracja</a:t>
             </a:r>
           </a:p>
           <a:p>
@@ -10686,7 +10761,7 @@
             </a:pPr>
             <a:r>
               <a:rPr lang="pl-PL" dirty="0" smtClean="0"/>
-              <a:t>Komponenty @Service, @Repository, @Controller</a:t>
+              <a:t>JavaConfig</a:t>
             </a:r>
           </a:p>
           <a:p>
@@ -10696,7 +10771,7 @@
             </a:pPr>
             <a:r>
               <a:rPr lang="pl-PL" dirty="0" smtClean="0"/>
-              <a:t>Encje i mechanizm @Transactional</a:t>
+              <a:t>Przejrzysty pom.xml, predefiniowane wersje wielu zależności</a:t>
             </a:r>
           </a:p>
           <a:p>
@@ -10705,9 +10780,35 @@
               <a:buChar char="•"/>
             </a:pPr>
             <a:r>
+              <a:rPr lang="pl-PL" dirty="0">
+                <a:hlinkClick r:id="rId2"/>
+              </a:rPr>
+              <a:t>http://</a:t>
+            </a:r>
+            <a:r>
+              <a:rPr lang="pl-PL" dirty="0" smtClean="0">
+                <a:hlinkClick r:id="rId2"/>
+              </a:rPr>
+              <a:t>start.spring.io</a:t>
+            </a:r>
+            <a:r>
               <a:rPr lang="pl-PL" dirty="0" smtClean="0"/>
-              <a:t>Spring Data JPA</a:t>
-            </a:r>
+              <a:t> – generator zalążka aplikacji</a:t>
+            </a:r>
+            <a:endParaRPr lang="pl-PL" dirty="0"/>
+          </a:p>
+          <a:p>
+            <a:pPr marL="457200" indent="-457200">
+              <a:buFont typeface="Arial" panose="020B0604020202020204" pitchFamily="34" charset="0"/>
+              <a:buChar char="•"/>
+            </a:pPr>
+            <a:r>
+              <a:rPr lang="pl-PL" dirty="0" smtClean="0">
+                <a:hlinkClick r:id="rId3"/>
+              </a:rPr>
+              <a:t>Startery dla wielu technologii</a:t>
+            </a:r>
+            <a:endParaRPr lang="pl-PL" dirty="0" smtClean="0"/>
           </a:p>
         </p:txBody>
       </p:sp>
@@ -10769,14 +10870,12 @@
         </p:nvSpPr>
         <p:spPr/>
         <p:txBody>
-          <a:bodyPr>
-            <a:normAutofit/>
-          </a:bodyPr>
+          <a:bodyPr/>
           <a:lstStyle/>
           <a:p>
             <a:r>
               <a:rPr lang="pl-PL" dirty="0" smtClean="0"/>
-              <a:t>Live coding</a:t>
+              <a:t>Spring Boot</a:t>
             </a:r>
             <a:endParaRPr lang="de-DE" dirty="0"/>
           </a:p>
@@ -10809,7 +10908,7 @@
     </p:spTree>
     <p:extLst>
       <p:ext uri="{BB962C8B-B14F-4D97-AF65-F5344CB8AC3E}">
-        <p14:creationId xmlns:p14="http://schemas.microsoft.com/office/powerpoint/2010/main" val="1852451932"/>
+        <p14:creationId xmlns:p14="http://schemas.microsoft.com/office/powerpoint/2010/main" val="3810329629"/>
       </p:ext>
     </p:extLst>
   </p:cSld>
@@ -10845,12 +10944,12 @@
       </p:grpSpPr>
       <p:sp>
         <p:nvSpPr>
-          <p:cNvPr id="2" name="Title 1"/>
-          <p:cNvSpPr>
-            <a:spLocks noGrp="1"/>
-          </p:cNvSpPr>
-          <p:nvPr>
-            <p:ph type="ctrTitle"/>
+          <p:cNvPr id="2" name="Content Placeholder 1"/>
+          <p:cNvSpPr>
+            <a:spLocks noGrp="1"/>
+          </p:cNvSpPr>
+          <p:nvPr>
+            <p:ph idx="1"/>
           </p:nvPr>
         </p:nvSpPr>
         <p:spPr/>
@@ -10858,10 +10957,156 @@
           <a:bodyPr/>
           <a:lstStyle/>
           <a:p>
+            <a:pPr marL="457200" indent="-457200">
+              <a:buFont typeface="Arial" panose="020B0604020202020204" pitchFamily="34" charset="0"/>
+              <a:buChar char="•"/>
+            </a:pPr>
             <a:r>
               <a:rPr lang="pl-PL" dirty="0" smtClean="0"/>
-              <a:t>Dziękuję</a:t>
-            </a:r>
+              <a:t>@Autowiring i @ComponentScan</a:t>
+            </a:r>
+          </a:p>
+          <a:p>
+            <a:pPr marL="457200" indent="-457200">
+              <a:buFont typeface="Arial" panose="020B0604020202020204" pitchFamily="34" charset="0"/>
+              <a:buChar char="•"/>
+            </a:pPr>
+            <a:r>
+              <a:rPr lang="pl-PL" dirty="0" smtClean="0"/>
+              <a:t>Bean scopes (</a:t>
+            </a:r>
+            <a:r>
+              <a:rPr lang="pl-PL" dirty="0" smtClean="0"/>
+              <a:t>singleton, prototype, </a:t>
+            </a:r>
+            <a:r>
+              <a:rPr lang="pl-PL" dirty="0" smtClean="0"/>
+              <a:t>request, session)</a:t>
+            </a:r>
+          </a:p>
+          <a:p>
+            <a:pPr marL="457200" indent="-457200">
+              <a:buFont typeface="Arial" panose="020B0604020202020204" pitchFamily="34" charset="0"/>
+              <a:buChar char="•"/>
+            </a:pPr>
+            <a:r>
+              <a:rPr lang="pl-PL" dirty="0" smtClean="0"/>
+              <a:t>Komponenty @Service, @Repository, @Controller</a:t>
+            </a:r>
+          </a:p>
+          <a:p>
+            <a:pPr marL="457200" indent="-457200">
+              <a:buFont typeface="Arial" panose="020B0604020202020204" pitchFamily="34" charset="0"/>
+              <a:buChar char="•"/>
+            </a:pPr>
+            <a:r>
+              <a:rPr lang="pl-PL" dirty="0" smtClean="0"/>
+              <a:t>Encje i mechanizm @Transactional</a:t>
+            </a:r>
+          </a:p>
+          <a:p>
+            <a:pPr marL="457200" indent="-457200">
+              <a:buFont typeface="Arial" panose="020B0604020202020204" pitchFamily="34" charset="0"/>
+              <a:buChar char="•"/>
+            </a:pPr>
+            <a:r>
+              <a:rPr lang="pl-PL" dirty="0" smtClean="0"/>
+              <a:t>Spring Data JPA</a:t>
+            </a:r>
+          </a:p>
+        </p:txBody>
+      </p:sp>
+      <p:sp>
+        <p:nvSpPr>
+          <p:cNvPr id="3" name="Footer Placeholder 2"/>
+          <p:cNvSpPr>
+            <a:spLocks noGrp="1"/>
+          </p:cNvSpPr>
+          <p:nvPr>
+            <p:ph type="ftr" sz="quarter" idx="3"/>
+          </p:nvPr>
+        </p:nvSpPr>
+        <p:spPr/>
+        <p:txBody>
+          <a:bodyPr/>
+          <a:lstStyle/>
+          <a:p>
+            <a:r>
+              <a:rPr lang="pl-PL" smtClean="0"/>
+              <a:t>Wprowadzenie do Spring Framework</a:t>
+            </a:r>
+            <a:endParaRPr lang="pl-PL" dirty="0"/>
+          </a:p>
+        </p:txBody>
+      </p:sp>
+      <p:sp>
+        <p:nvSpPr>
+          <p:cNvPr id="4" name="Date Placeholder 3"/>
+          <p:cNvSpPr>
+            <a:spLocks noGrp="1"/>
+          </p:cNvSpPr>
+          <p:nvPr>
+            <p:ph type="dt" sz="half" idx="2"/>
+          </p:nvPr>
+        </p:nvSpPr>
+        <p:spPr/>
+        <p:txBody>
+          <a:bodyPr/>
+          <a:lstStyle/>
+          <a:p>
+            <a:r>
+              <a:rPr lang="pl-PL" smtClean="0"/>
+              <a:t>2015-02-23</a:t>
+            </a:r>
+            <a:endParaRPr lang="pl-PL" dirty="0"/>
+          </a:p>
+        </p:txBody>
+      </p:sp>
+      <p:sp>
+        <p:nvSpPr>
+          <p:cNvPr id="5" name="Title 4"/>
+          <p:cNvSpPr>
+            <a:spLocks noGrp="1"/>
+          </p:cNvSpPr>
+          <p:nvPr>
+            <p:ph type="title"/>
+          </p:nvPr>
+        </p:nvSpPr>
+        <p:spPr/>
+        <p:txBody>
+          <a:bodyPr>
+            <a:normAutofit/>
+          </a:bodyPr>
+          <a:lstStyle/>
+          <a:p>
+            <a:r>
+              <a:rPr lang="pl-PL" dirty="0" smtClean="0"/>
+              <a:t>Live coding</a:t>
+            </a:r>
+            <a:endParaRPr lang="de-DE" dirty="0"/>
+          </a:p>
+        </p:txBody>
+      </p:sp>
+      <p:sp>
+        <p:nvSpPr>
+          <p:cNvPr id="6" name="Slide Number Placeholder 5"/>
+          <p:cNvSpPr>
+            <a:spLocks noGrp="1"/>
+          </p:cNvSpPr>
+          <p:nvPr>
+            <p:ph type="sldNum" sz="quarter" idx="4"/>
+          </p:nvPr>
+        </p:nvSpPr>
+        <p:spPr/>
+        <p:txBody>
+          <a:bodyPr/>
+          <a:lstStyle/>
+          <a:p>
+            <a:fld id="{DD16D8C6-D3EF-484E-B1EF-645CD91101A6}" type="slidenum">
+              <a:rPr lang="pl-PL" smtClean="0"/>
+              <a:pPr/>
+              <a:t>8</a:t>
+            </a:fld>
             <a:endParaRPr lang="pl-PL" dirty="0"/>
           </a:p>
         </p:txBody>
@@ -10869,7 +11114,7 @@
     </p:spTree>
     <p:extLst>
       <p:ext uri="{BB962C8B-B14F-4D97-AF65-F5344CB8AC3E}">
-        <p14:creationId xmlns:p14="http://schemas.microsoft.com/office/powerpoint/2010/main" val="2388777232"/>
+        <p14:creationId xmlns:p14="http://schemas.microsoft.com/office/powerpoint/2010/main" val="1852451932"/>
       </p:ext>
     </p:extLst>
   </p:cSld>
@@ -10905,12 +11150,12 @@
       </p:grpSpPr>
       <p:sp>
         <p:nvSpPr>
-          <p:cNvPr id="2" name="Subtitle 1"/>
-          <p:cNvSpPr>
-            <a:spLocks noGrp="1"/>
-          </p:cNvSpPr>
-          <p:nvPr>
-            <p:ph type="subTitle" idx="1"/>
+          <p:cNvPr id="2" name="Title 1"/>
+          <p:cNvSpPr>
+            <a:spLocks noGrp="1"/>
+          </p:cNvSpPr>
+          <p:nvPr>
+            <p:ph type="ctrTitle"/>
           </p:nvPr>
         </p:nvSpPr>
         <p:spPr/>
@@ -10919,45 +11164,8 @@
           <a:lstStyle/>
           <a:p>
             <a:r>
-              <a:rPr lang="en-US" dirty="0"/>
-              <a:t>PGS Software S.A.</a:t>
-            </a:r>
-          </a:p>
-          <a:p>
-            <a:r>
-              <a:rPr lang="en-US" dirty="0"/>
-              <a:t>Tel.: +48 71 79 82 692</a:t>
-            </a:r>
-            <a:r>
-              <a:rPr lang="pl-PL" dirty="0"/>
-              <a:t/>
-            </a:r>
-            <a:br>
-              <a:rPr lang="pl-PL" dirty="0"/>
-            </a:br>
-            <a:r>
-              <a:rPr lang="en-US" dirty="0"/>
-              <a:t>Fax: +48 71 79 82 690</a:t>
-            </a:r>
-            <a:r>
-              <a:rPr lang="pl-PL" dirty="0"/>
-              <a:t/>
-            </a:r>
-            <a:br>
-              <a:rPr lang="pl-PL" dirty="0"/>
-            </a:br>
-            <a:r>
-              <a:rPr lang="en-US" dirty="0"/>
-              <a:t>E-mail: pgs-soft@pgs-soft.com</a:t>
-            </a:r>
-          </a:p>
-          <a:p>
-            <a:endParaRPr lang="pl-PL" dirty="0"/>
-          </a:p>
-          <a:p>
-            <a:r>
-              <a:rPr lang="en-US" dirty="0"/>
-              <a:t>www.pgs-soft.com</a:t>
+              <a:rPr lang="pl-PL" dirty="0" smtClean="0"/>
+              <a:t>Dziękuję</a:t>
             </a:r>
             <a:endParaRPr lang="pl-PL" dirty="0"/>
           </a:p>
@@ -10966,7 +11174,7 @@
     </p:spTree>
     <p:extLst>
       <p:ext uri="{BB962C8B-B14F-4D97-AF65-F5344CB8AC3E}">
-        <p14:creationId xmlns:p14="http://schemas.microsoft.com/office/powerpoint/2010/main" val="2524618966"/>
+        <p14:creationId xmlns:p14="http://schemas.microsoft.com/office/powerpoint/2010/main" val="2388777232"/>
       </p:ext>
     </p:extLst>
   </p:cSld>
@@ -11256,7 +11464,7 @@
   <a:extraClrSchemeLst/>
   <a:extLst>
     <a:ext uri="{05A4C25C-085E-4340-85A3-A5531E510DB2}">
-      <thm15:themeFamily xmlns:thm15="http://schemas.microsoft.com/office/thememl/2012/main" xmlns="" name="Presentation-template-v7.potx" id="{81740B69-3C92-4ED6-8B77-975B328E0227}" vid="{9A016EBD-39E1-4BE8-9468-41BAC8AD9D0C}"/>
+      <thm15:themeFamily xmlns="" xmlns:thm15="http://schemas.microsoft.com/office/thememl/2012/main" name="Presentation-template-v7.potx" id="{81740B69-3C92-4ED6-8B77-975B328E0227}" vid="{9A016EBD-39E1-4BE8-9468-41BAC8AD9D0C}"/>
     </a:ext>
   </a:extLst>
 </a:theme>
@@ -11517,7 +11725,7 @@
   <a:extraClrSchemeLst/>
   <a:extLst>
     <a:ext uri="{05A4C25C-085E-4340-85A3-A5531E510DB2}">
-      <thm15:themeFamily xmlns:thm15="http://schemas.microsoft.com/office/thememl/2012/main" xmlns="" name="Office Theme" id="{62F939B6-93AF-4DB8-9C6B-D6C7DFDC589F}" vid="{4A3C46E8-61CC-4603-A589-7422A47A8E4A}"/>
+      <thm15:themeFamily xmlns="" xmlns:thm15="http://schemas.microsoft.com/office/thememl/2012/main" name="Office Theme" id="{62F939B6-93AF-4DB8-9C6B-D6C7DFDC589F}" vid="{4A3C46E8-61CC-4603-A589-7422A47A8E4A}"/>
     </a:ext>
   </a:extLst>
 </a:theme>
@@ -11778,7 +11986,7 @@
   <a:extraClrSchemeLst/>
   <a:extLst>
     <a:ext uri="{05A4C25C-085E-4340-85A3-A5531E510DB2}">
-      <thm15:themeFamily xmlns:thm15="http://schemas.microsoft.com/office/thememl/2012/main" xmlns="" name="Office Theme" id="{62F939B6-93AF-4DB8-9C6B-D6C7DFDC589F}" vid="{4A3C46E8-61CC-4603-A589-7422A47A8E4A}"/>
+      <thm15:themeFamily xmlns="" xmlns:thm15="http://schemas.microsoft.com/office/thememl/2012/main" name="Office Theme" id="{62F939B6-93AF-4DB8-9C6B-D6C7DFDC589F}" vid="{4A3C46E8-61CC-4603-A589-7422A47A8E4A}"/>
     </a:ext>
   </a:extLst>
 </a:theme>
